--- a/presentation/watRinspectR/Presentation.pptx
+++ b/presentation/watRinspectR/Presentation.pptx
@@ -3116,58 +3116,6 @@
       </p:grpSpPr>
       <p:pic>
         <p:nvPicPr>
-          <p:cNvPr id="1026" name="Picture 2"/>
-          <p:cNvPicPr>
-            <a:picLocks noChangeAspect="1" noChangeArrowheads="1"/>
-          </p:cNvPicPr>
-          <p:nvPr/>
-        </p:nvPicPr>
-        <p:blipFill rotWithShape="1">
-          <a:blip r:embed="rId2" cstate="print">
-            <a:extLst>
-              <a:ext uri="{28A0092B-C50C-407E-A947-70E740481C1C}">
-                <a14:useLocalDpi xmlns:a14="http://schemas.microsoft.com/office/drawing/2010/main" val="0"/>
-              </a:ext>
-            </a:extLst>
-          </a:blip>
-          <a:srcRect l="1668"/>
-          <a:stretch/>
-        </p:blipFill>
-        <p:spPr bwMode="auto">
-          <a:xfrm>
-            <a:off x="57150" y="1041309"/>
-            <a:ext cx="4723105" cy="2447155"/>
-          </a:xfrm>
-          <a:prstGeom prst="rect">
-            <a:avLst/>
-          </a:prstGeom>
-          <a:noFill/>
-          <a:ln>
-            <a:noFill/>
-          </a:ln>
-          <a:extLst>
-            <a:ext uri="{909E8E84-426E-40DD-AFC4-6F175D3DCCD1}">
-              <a14:hiddenFill xmlns:a14="http://schemas.microsoft.com/office/drawing/2010/main">
-                <a:solidFill>
-                  <a:schemeClr val="accent1"/>
-                </a:solidFill>
-              </a14:hiddenFill>
-            </a:ext>
-            <a:ext uri="{91240B29-F687-4F45-9708-019B960494DF}">
-              <a14:hiddenLine xmlns:a14="http://schemas.microsoft.com/office/drawing/2010/main" w="9525">
-                <a:solidFill>
-                  <a:schemeClr val="tx1"/>
-                </a:solidFill>
-                <a:miter lim="800000"/>
-                <a:headEnd/>
-                <a:tailEnd/>
-              </a14:hiddenLine>
-            </a:ext>
-          </a:extLst>
-        </p:spPr>
-      </p:pic>
-      <p:pic>
-        <p:nvPicPr>
           <p:cNvPr id="1027" name="Picture 3"/>
           <p:cNvPicPr>
             <a:picLocks noChangeAspect="1" noChangeArrowheads="1"/>
@@ -3175,7 +3123,7 @@
           <p:nvPr/>
         </p:nvPicPr>
         <p:blipFill>
-          <a:blip r:embed="rId3">
+          <a:blip r:embed="rId2">
             <a:extLst>
               <a:ext uri="{28A0092B-C50C-407E-A947-70E740481C1C}">
                 <a14:useLocalDpi xmlns:a14="http://schemas.microsoft.com/office/drawing/2010/main" val="0"/>
@@ -3229,7 +3177,7 @@
           <p:nvPr/>
         </p:nvPicPr>
         <p:blipFill>
-          <a:blip r:embed="rId4">
+          <a:blip r:embed="rId3">
             <a:extLst>
               <a:ext uri="{28A0092B-C50C-407E-A947-70E740481C1C}">
                 <a14:useLocalDpi xmlns:a14="http://schemas.microsoft.com/office/drawing/2010/main" val="0"/>
@@ -3283,7 +3231,7 @@
           <p:nvPr/>
         </p:nvPicPr>
         <p:blipFill>
-          <a:blip r:embed="rId5">
+          <a:blip r:embed="rId4">
             <a:extLst>
               <a:ext uri="{28A0092B-C50C-407E-A947-70E740481C1C}">
                 <a14:useLocalDpi xmlns:a14="http://schemas.microsoft.com/office/drawing/2010/main" val="0"/>
@@ -3299,6 +3247,60 @@
           <a:xfrm>
             <a:off x="4876800" y="998679"/>
             <a:ext cx="4236295" cy="2591476"/>
+          </a:xfrm>
+          <a:prstGeom prst="rect">
+            <a:avLst/>
+          </a:prstGeom>
+          <a:noFill/>
+          <a:ln>
+            <a:noFill/>
+          </a:ln>
+          <a:extLst>
+            <a:ext uri="{909E8E84-426E-40DD-AFC4-6F175D3DCCD1}">
+              <a14:hiddenFill xmlns:a14="http://schemas.microsoft.com/office/drawing/2010/main">
+                <a:solidFill>
+                  <a:schemeClr val="accent1"/>
+                </a:solidFill>
+              </a14:hiddenFill>
+            </a:ext>
+            <a:ext uri="{91240B29-F687-4F45-9708-019B960494DF}">
+              <a14:hiddenLine xmlns:a14="http://schemas.microsoft.com/office/drawing/2010/main" w="9525">
+                <a:solidFill>
+                  <a:schemeClr val="tx1"/>
+                </a:solidFill>
+                <a:miter lim="800000"/>
+                <a:headEnd/>
+                <a:tailEnd/>
+              </a14:hiddenLine>
+            </a:ext>
+          </a:extLst>
+        </p:spPr>
+      </p:pic>
+      <p:pic>
+        <p:nvPicPr>
+          <p:cNvPr id="1030" name="Picture 6"/>
+          <p:cNvPicPr>
+            <a:picLocks noChangeAspect="1" noChangeArrowheads="1"/>
+          </p:cNvPicPr>
+          <p:nvPr/>
+        </p:nvPicPr>
+        <p:blipFill>
+          <a:blip r:embed="rId5" cstate="print">
+            <a:extLst>
+              <a:ext uri="{28A0092B-C50C-407E-A947-70E740481C1C}">
+                <a14:useLocalDpi xmlns:a14="http://schemas.microsoft.com/office/drawing/2010/main" val="0"/>
+              </a:ext>
+            </a:extLst>
+          </a:blip>
+          <a:srcRect/>
+          <a:stretch>
+            <a:fillRect/>
+          </a:stretch>
+        </p:blipFill>
+        <p:spPr bwMode="auto">
+          <a:xfrm>
+            <a:off x="0" y="998679"/>
+            <a:ext cx="4876800" cy="2582721"/>
           </a:xfrm>
           <a:prstGeom prst="rect">
             <a:avLst/>
@@ -4042,7 +4044,7 @@
       </p:grpSpPr>
       <p:pic>
         <p:nvPicPr>
-          <p:cNvPr id="2050" name="Picture 2"/>
+          <p:cNvPr id="2052" name="Picture 4"/>
           <p:cNvPicPr>
             <a:picLocks noChangeAspect="1" noChangeArrowheads="1"/>
           </p:cNvPicPr>
@@ -4063,8 +4065,8 @@
         </p:blipFill>
         <p:spPr bwMode="auto">
           <a:xfrm>
-            <a:off x="76200" y="838200"/>
-            <a:ext cx="6286501" cy="2462213"/>
+            <a:off x="0" y="304800"/>
+            <a:ext cx="5638800" cy="3185277"/>
           </a:xfrm>
           <a:prstGeom prst="rect">
             <a:avLst/>
@@ -4096,7 +4098,7 @@
       </p:pic>
       <p:pic>
         <p:nvPicPr>
-          <p:cNvPr id="2051" name="Picture 3"/>
+          <p:cNvPr id="2053" name="Picture 5"/>
           <p:cNvPicPr>
             <a:picLocks noChangeAspect="1" noChangeArrowheads="1"/>
           </p:cNvPicPr>
@@ -4117,8 +4119,8 @@
         </p:blipFill>
         <p:spPr bwMode="auto">
           <a:xfrm>
-            <a:off x="3000374" y="3300413"/>
-            <a:ext cx="5915025" cy="2404960"/>
+            <a:off x="2438400" y="3733800"/>
+            <a:ext cx="6705600" cy="2955758"/>
           </a:xfrm>
           <a:prstGeom prst="rect">
             <a:avLst/>
